--- a/B树排演.pptx
+++ b/B树排演.pptx
@@ -15083,11 +15083,14 @@
   <p:cSld>
     <p:bg>
       <p:bgPr>
-        <a:solidFill>
-          <a:schemeClr val="bg1">
-            <a:alpha val="47000"/>
-          </a:schemeClr>
-        </a:solidFill>
+        <a:pattFill prst="pct5">
+          <a:fgClr>
+            <a:schemeClr val="accent1"/>
+          </a:fgClr>
+          <a:bgClr>
+            <a:schemeClr val="bg1"/>
+          </a:bgClr>
+        </a:pattFill>
         <a:effectLst/>
       </p:bgPr>
     </p:bg>
